--- a/Week_14-16/Thesis Topic_presentation_trivago_update3.pptx
+++ b/Week_14-16/Thesis Topic_presentation_trivago_update3.pptx
@@ -7,7 +7,8 @@
   <p:sldIdLst>
     <p:sldId id="256" r:id="rId2"/>
     <p:sldId id="257" r:id="rId3"/>
-    <p:sldId id="258" r:id="rId4"/>
+    <p:sldId id="259" r:id="rId4"/>
+    <p:sldId id="258" r:id="rId5"/>
   </p:sldIdLst>
   <p:sldSz cx="12192000" cy="6858000"/>
   <p:notesSz cx="6858000" cy="9144000"/>
@@ -263,7 +264,7 @@
           <a:p>
             <a:fld id="{A74CFD00-D5C6-46A3-9682-6437AD77024E}" type="datetimeFigureOut">
               <a:rPr lang="de-DE" smtClean="0"/>
-              <a:t>27.07.2025</a:t>
+              <a:t>28.07.2025</a:t>
             </a:fld>
             <a:endParaRPr lang="de-DE"/>
           </a:p>
@@ -463,7 +464,7 @@
           <a:p>
             <a:fld id="{A74CFD00-D5C6-46A3-9682-6437AD77024E}" type="datetimeFigureOut">
               <a:rPr lang="de-DE" smtClean="0"/>
-              <a:t>27.07.2025</a:t>
+              <a:t>28.07.2025</a:t>
             </a:fld>
             <a:endParaRPr lang="de-DE"/>
           </a:p>
@@ -673,7 +674,7 @@
           <a:p>
             <a:fld id="{A74CFD00-D5C6-46A3-9682-6437AD77024E}" type="datetimeFigureOut">
               <a:rPr lang="de-DE" smtClean="0"/>
-              <a:t>27.07.2025</a:t>
+              <a:t>28.07.2025</a:t>
             </a:fld>
             <a:endParaRPr lang="de-DE"/>
           </a:p>
@@ -873,7 +874,7 @@
           <a:p>
             <a:fld id="{A74CFD00-D5C6-46A3-9682-6437AD77024E}" type="datetimeFigureOut">
               <a:rPr lang="de-DE" smtClean="0"/>
-              <a:t>27.07.2025</a:t>
+              <a:t>28.07.2025</a:t>
             </a:fld>
             <a:endParaRPr lang="de-DE"/>
           </a:p>
@@ -1149,7 +1150,7 @@
           <a:p>
             <a:fld id="{A74CFD00-D5C6-46A3-9682-6437AD77024E}" type="datetimeFigureOut">
               <a:rPr lang="de-DE" smtClean="0"/>
-              <a:t>27.07.2025</a:t>
+              <a:t>28.07.2025</a:t>
             </a:fld>
             <a:endParaRPr lang="de-DE"/>
           </a:p>
@@ -1417,7 +1418,7 @@
           <a:p>
             <a:fld id="{A74CFD00-D5C6-46A3-9682-6437AD77024E}" type="datetimeFigureOut">
               <a:rPr lang="de-DE" smtClean="0"/>
-              <a:t>27.07.2025</a:t>
+              <a:t>28.07.2025</a:t>
             </a:fld>
             <a:endParaRPr lang="de-DE"/>
           </a:p>
@@ -1832,7 +1833,7 @@
           <a:p>
             <a:fld id="{A74CFD00-D5C6-46A3-9682-6437AD77024E}" type="datetimeFigureOut">
               <a:rPr lang="de-DE" smtClean="0"/>
-              <a:t>27.07.2025</a:t>
+              <a:t>28.07.2025</a:t>
             </a:fld>
             <a:endParaRPr lang="de-DE"/>
           </a:p>
@@ -1974,7 +1975,7 @@
           <a:p>
             <a:fld id="{A74CFD00-D5C6-46A3-9682-6437AD77024E}" type="datetimeFigureOut">
               <a:rPr lang="de-DE" smtClean="0"/>
-              <a:t>27.07.2025</a:t>
+              <a:t>28.07.2025</a:t>
             </a:fld>
             <a:endParaRPr lang="de-DE"/>
           </a:p>
@@ -2087,7 +2088,7 @@
           <a:p>
             <a:fld id="{A74CFD00-D5C6-46A3-9682-6437AD77024E}" type="datetimeFigureOut">
               <a:rPr lang="de-DE" smtClean="0"/>
-              <a:t>27.07.2025</a:t>
+              <a:t>28.07.2025</a:t>
             </a:fld>
             <a:endParaRPr lang="de-DE"/>
           </a:p>
@@ -2400,7 +2401,7 @@
           <a:p>
             <a:fld id="{A74CFD00-D5C6-46A3-9682-6437AD77024E}" type="datetimeFigureOut">
               <a:rPr lang="de-DE" smtClean="0"/>
-              <a:t>27.07.2025</a:t>
+              <a:t>28.07.2025</a:t>
             </a:fld>
             <a:endParaRPr lang="de-DE"/>
           </a:p>
@@ -2689,7 +2690,7 @@
           <a:p>
             <a:fld id="{A74CFD00-D5C6-46A3-9682-6437AD77024E}" type="datetimeFigureOut">
               <a:rPr lang="de-DE" smtClean="0"/>
-              <a:t>27.07.2025</a:t>
+              <a:t>28.07.2025</a:t>
             </a:fld>
             <a:endParaRPr lang="de-DE"/>
           </a:p>
@@ -2932,7 +2933,7 @@
           <a:p>
             <a:fld id="{A74CFD00-D5C6-46A3-9682-6437AD77024E}" type="datetimeFigureOut">
               <a:rPr lang="de-DE" smtClean="0"/>
-              <a:t>27.07.2025</a:t>
+              <a:t>28.07.2025</a:t>
             </a:fld>
             <a:endParaRPr lang="de-DE"/>
           </a:p>
@@ -4440,6 +4441,86 @@
           <p:cNvPr id="2" name="Title 1">
             <a:extLst>
               <a:ext uri="{FF2B5EF4-FFF2-40B4-BE49-F238E27FC236}">
+                <a16:creationId xmlns:a16="http://schemas.microsoft.com/office/drawing/2014/main" id="{4EFD094B-DE83-9C75-8741-8F35D26B11AB}"/>
+              </a:ext>
+            </a:extLst>
+          </p:cNvPr>
+          <p:cNvSpPr>
+            <a:spLocks noGrp="1"/>
+          </p:cNvSpPr>
+          <p:nvPr>
+            <p:ph type="title"/>
+          </p:nvPr>
+        </p:nvSpPr>
+        <p:spPr/>
+        <p:txBody>
+          <a:bodyPr/>
+          <a:lstStyle/>
+          <a:p>
+            <a:endParaRPr lang="de-DE"/>
+          </a:p>
+        </p:txBody>
+      </p:sp>
+      <p:sp>
+        <p:nvSpPr>
+          <p:cNvPr id="3" name="Content Placeholder 2">
+            <a:extLst>
+              <a:ext uri="{FF2B5EF4-FFF2-40B4-BE49-F238E27FC236}">
+                <a16:creationId xmlns:a16="http://schemas.microsoft.com/office/drawing/2014/main" id="{910150EC-6ABC-5EE3-B7BA-7C47508B4011}"/>
+              </a:ext>
+            </a:extLst>
+          </p:cNvPr>
+          <p:cNvSpPr>
+            <a:spLocks noGrp="1"/>
+          </p:cNvSpPr>
+          <p:nvPr>
+            <p:ph idx="1"/>
+          </p:nvPr>
+        </p:nvSpPr>
+        <p:spPr/>
+        <p:txBody>
+          <a:bodyPr/>
+          <a:lstStyle/>
+          <a:p>
+            <a:endParaRPr lang="de-DE"/>
+          </a:p>
+        </p:txBody>
+      </p:sp>
+    </p:spTree>
+    <p:extLst>
+      <p:ext uri="{BB962C8B-B14F-4D97-AF65-F5344CB8AC3E}">
+        <p14:creationId xmlns:p14="http://schemas.microsoft.com/office/powerpoint/2010/main" val="2643952090"/>
+      </p:ext>
+    </p:extLst>
+  </p:cSld>
+  <p:clrMapOvr>
+    <a:masterClrMapping/>
+  </p:clrMapOvr>
+</p:sld>
+</file>
+
+<file path=ppt/slides/slide4.xml><?xml version="1.0" encoding="utf-8"?>
+<p:sld xmlns:a="http://schemas.openxmlformats.org/drawingml/2006/main" xmlns:r="http://schemas.openxmlformats.org/officeDocument/2006/relationships" xmlns:p="http://schemas.openxmlformats.org/presentationml/2006/main">
+  <p:cSld>
+    <p:spTree>
+      <p:nvGrpSpPr>
+        <p:cNvPr id="1" name=""/>
+        <p:cNvGrpSpPr/>
+        <p:nvPr/>
+      </p:nvGrpSpPr>
+      <p:grpSpPr>
+        <a:xfrm>
+          <a:off x="0" y="0"/>
+          <a:ext cx="0" cy="0"/>
+          <a:chOff x="0" y="0"/>
+          <a:chExt cx="0" cy="0"/>
+        </a:xfrm>
+      </p:grpSpPr>
+      <p:sp>
+        <p:nvSpPr>
+          <p:cNvPr id="2" name="Title 1">
+            <a:extLst>
+              <a:ext uri="{FF2B5EF4-FFF2-40B4-BE49-F238E27FC236}">
                 <a16:creationId xmlns:a16="http://schemas.microsoft.com/office/drawing/2014/main" id="{9D60CC3F-DA48-ECBD-A319-020186001145}"/>
               </a:ext>
             </a:extLst>
